--- a/network slicing.pptx
+++ b/network slicing.pptx
@@ -7,11 +7,12 @@
   <p:sldIdLst>
     <p:sldId id="256" r:id="rId2"/>
     <p:sldId id="259" r:id="rId3"/>
-    <p:sldId id="261" r:id="rId4"/>
-    <p:sldId id="263" r:id="rId5"/>
-    <p:sldId id="262" r:id="rId6"/>
-    <p:sldId id="258" r:id="rId7"/>
-    <p:sldId id="260" r:id="rId8"/>
+    <p:sldId id="264" r:id="rId4"/>
+    <p:sldId id="261" r:id="rId5"/>
+    <p:sldId id="263" r:id="rId6"/>
+    <p:sldId id="262" r:id="rId7"/>
+    <p:sldId id="258" r:id="rId8"/>
+    <p:sldId id="260" r:id="rId9"/>
   </p:sldIdLst>
   <p:sldSz cx="12192000" cy="6858000"/>
   <p:notesSz cx="6807200" cy="9939338"/>
@@ -277,7 +278,7 @@
           <a:p>
             <a:fld id="{505AF487-3F21-43EE-BC2F-14051536254A}" type="datetimeFigureOut">
               <a:rPr lang="en-US" smtClean="0"/>
-              <a:t>12/4/2019</a:t>
+              <a:t>12/17/2019</a:t>
             </a:fld>
             <a:endParaRPr lang="en-US"/>
           </a:p>
@@ -475,7 +476,7 @@
           <a:p>
             <a:fld id="{505AF487-3F21-43EE-BC2F-14051536254A}" type="datetimeFigureOut">
               <a:rPr lang="en-US" smtClean="0"/>
-              <a:t>12/4/2019</a:t>
+              <a:t>12/17/2019</a:t>
             </a:fld>
             <a:endParaRPr lang="en-US"/>
           </a:p>
@@ -683,7 +684,7 @@
           <a:p>
             <a:fld id="{505AF487-3F21-43EE-BC2F-14051536254A}" type="datetimeFigureOut">
               <a:rPr lang="en-US" smtClean="0"/>
-              <a:t>12/4/2019</a:t>
+              <a:t>12/17/2019</a:t>
             </a:fld>
             <a:endParaRPr lang="en-US"/>
           </a:p>
@@ -881,7 +882,7 @@
           <a:p>
             <a:fld id="{505AF487-3F21-43EE-BC2F-14051536254A}" type="datetimeFigureOut">
               <a:rPr lang="en-US" smtClean="0"/>
-              <a:t>12/4/2019</a:t>
+              <a:t>12/17/2019</a:t>
             </a:fld>
             <a:endParaRPr lang="en-US"/>
           </a:p>
@@ -1156,7 +1157,7 @@
           <a:p>
             <a:fld id="{505AF487-3F21-43EE-BC2F-14051536254A}" type="datetimeFigureOut">
               <a:rPr lang="en-US" smtClean="0"/>
-              <a:t>12/4/2019</a:t>
+              <a:t>12/17/2019</a:t>
             </a:fld>
             <a:endParaRPr lang="en-US"/>
           </a:p>
@@ -1421,7 +1422,7 @@
           <a:p>
             <a:fld id="{505AF487-3F21-43EE-BC2F-14051536254A}" type="datetimeFigureOut">
               <a:rPr lang="en-US" smtClean="0"/>
-              <a:t>12/4/2019</a:t>
+              <a:t>12/17/2019</a:t>
             </a:fld>
             <a:endParaRPr lang="en-US"/>
           </a:p>
@@ -1833,7 +1834,7 @@
           <a:p>
             <a:fld id="{505AF487-3F21-43EE-BC2F-14051536254A}" type="datetimeFigureOut">
               <a:rPr lang="en-US" smtClean="0"/>
-              <a:t>12/4/2019</a:t>
+              <a:t>12/17/2019</a:t>
             </a:fld>
             <a:endParaRPr lang="en-US"/>
           </a:p>
@@ -1974,7 +1975,7 @@
           <a:p>
             <a:fld id="{505AF487-3F21-43EE-BC2F-14051536254A}" type="datetimeFigureOut">
               <a:rPr lang="en-US" smtClean="0"/>
-              <a:t>12/4/2019</a:t>
+              <a:t>12/17/2019</a:t>
             </a:fld>
             <a:endParaRPr lang="en-US"/>
           </a:p>
@@ -2087,7 +2088,7 @@
           <a:p>
             <a:fld id="{505AF487-3F21-43EE-BC2F-14051536254A}" type="datetimeFigureOut">
               <a:rPr lang="en-US" smtClean="0"/>
-              <a:t>12/4/2019</a:t>
+              <a:t>12/17/2019</a:t>
             </a:fld>
             <a:endParaRPr lang="en-US"/>
           </a:p>
@@ -2398,7 +2399,7 @@
           <a:p>
             <a:fld id="{505AF487-3F21-43EE-BC2F-14051536254A}" type="datetimeFigureOut">
               <a:rPr lang="en-US" smtClean="0"/>
-              <a:t>12/4/2019</a:t>
+              <a:t>12/17/2019</a:t>
             </a:fld>
             <a:endParaRPr lang="en-US"/>
           </a:p>
@@ -2686,7 +2687,7 @@
           <a:p>
             <a:fld id="{505AF487-3F21-43EE-BC2F-14051536254A}" type="datetimeFigureOut">
               <a:rPr lang="en-US" smtClean="0"/>
-              <a:t>12/4/2019</a:t>
+              <a:t>12/17/2019</a:t>
             </a:fld>
             <a:endParaRPr lang="en-US"/>
           </a:p>
@@ -2927,7 +2928,7 @@
           <a:p>
             <a:fld id="{505AF487-3F21-43EE-BC2F-14051536254A}" type="datetimeFigureOut">
               <a:rPr lang="en-US" smtClean="0"/>
-              <a:t>12/4/2019</a:t>
+              <a:t>12/17/2019</a:t>
             </a:fld>
             <a:endParaRPr lang="en-US"/>
           </a:p>
@@ -7248,7 +7249,7 @@
       </p:pic>
       <p:pic>
         <p:nvPicPr>
-          <p:cNvPr id="7" name="Picture 6">
+          <p:cNvPr id="8" name="Picture 7">
             <a:extLst>
               <a:ext uri="{FF2B5EF4-FFF2-40B4-BE49-F238E27FC236}">
                 <a16:creationId xmlns:a16="http://schemas.microsoft.com/office/drawing/2014/main" id="{C1C7F85F-D525-4486-AEEA-472284EF011B}"/>
@@ -7268,7 +7269,7 @@
         </p:blipFill>
         <p:spPr>
           <a:xfrm>
-            <a:off x="5196219" y="4844449"/>
+            <a:off x="1129223" y="767645"/>
             <a:ext cx="637154" cy="563949"/>
           </a:xfrm>
           <a:prstGeom prst="rect">
@@ -7278,7 +7279,7 @@
       </p:pic>
       <p:pic>
         <p:nvPicPr>
-          <p:cNvPr id="8" name="Picture 7">
+          <p:cNvPr id="9" name="Picture 8">
             <a:extLst>
               <a:ext uri="{FF2B5EF4-FFF2-40B4-BE49-F238E27FC236}">
                 <a16:creationId xmlns:a16="http://schemas.microsoft.com/office/drawing/2014/main" id="{C1C7F85F-D525-4486-AEEA-472284EF011B}"/>
@@ -7298,37 +7299,7 @@
         </p:blipFill>
         <p:spPr>
           <a:xfrm>
-            <a:off x="1129223" y="767645"/>
-            <a:ext cx="637154" cy="563949"/>
-          </a:xfrm>
-          <a:prstGeom prst="rect">
-            <a:avLst/>
-          </a:prstGeom>
-        </p:spPr>
-      </p:pic>
-      <p:pic>
-        <p:nvPicPr>
-          <p:cNvPr id="9" name="Picture 8">
-            <a:extLst>
-              <a:ext uri="{FF2B5EF4-FFF2-40B4-BE49-F238E27FC236}">
-                <a16:creationId xmlns:a16="http://schemas.microsoft.com/office/drawing/2014/main" id="{C1C7F85F-D525-4486-AEEA-472284EF011B}"/>
-              </a:ext>
-            </a:extLst>
-          </p:cNvPr>
-          <p:cNvPicPr>
-            <a:picLocks noChangeAspect="1"/>
-          </p:cNvPicPr>
-          <p:nvPr/>
-        </p:nvPicPr>
-        <p:blipFill>
-          <a:blip r:embed="rId2"/>
-          <a:stretch>
-            <a:fillRect/>
-          </a:stretch>
-        </p:blipFill>
-        <p:spPr>
-          <a:xfrm>
-            <a:off x="10417119" y="4975825"/>
+            <a:off x="6096000" y="5014515"/>
             <a:ext cx="637154" cy="563949"/>
           </a:xfrm>
           <a:prstGeom prst="rect">
@@ -7470,15 +7441,15 @@
           </p:cNvPr>
           <p:cNvCxnSpPr>
             <a:cxnSpLocks/>
-            <a:stCxn id="6" idx="3"/>
-            <a:endCxn id="9" idx="1"/>
+            <a:stCxn id="6" idx="1"/>
+            <a:endCxn id="9" idx="3"/>
           </p:cNvCxnSpPr>
           <p:nvPr/>
         </p:nvCxnSpPr>
         <p:spPr>
-          <a:xfrm>
-            <a:off x="9738802" y="3576551"/>
-            <a:ext cx="678317" cy="1681249"/>
+          <a:xfrm flipH="1">
+            <a:off x="6733154" y="3576551"/>
+            <a:ext cx="2368494" cy="1719939"/>
           </a:xfrm>
           <a:prstGeom prst="line">
             <a:avLst/>
@@ -7500,88 +7471,6 @@
           </a:fontRef>
         </p:style>
       </p:cxnSp>
-      <p:cxnSp>
-        <p:nvCxnSpPr>
-          <p:cNvPr id="25" name="Straight Connector 24">
-            <a:extLst>
-              <a:ext uri="{FF2B5EF4-FFF2-40B4-BE49-F238E27FC236}">
-                <a16:creationId xmlns:a16="http://schemas.microsoft.com/office/drawing/2014/main" id="{A5239319-6E43-452F-80D2-ABBC80689E99}"/>
-              </a:ext>
-            </a:extLst>
-          </p:cNvPr>
-          <p:cNvCxnSpPr>
-            <a:cxnSpLocks/>
-            <a:stCxn id="6" idx="1"/>
-            <a:endCxn id="7" idx="3"/>
-          </p:cNvCxnSpPr>
-          <p:nvPr/>
-        </p:nvCxnSpPr>
-        <p:spPr>
-          <a:xfrm flipH="1">
-            <a:off x="5833373" y="3576551"/>
-            <a:ext cx="3268275" cy="1549873"/>
-          </a:xfrm>
-          <a:prstGeom prst="line">
-            <a:avLst/>
-          </a:prstGeom>
-          <a:ln w="15875"/>
-        </p:spPr>
-        <p:style>
-          <a:lnRef idx="1">
-            <a:schemeClr val="accent1"/>
-          </a:lnRef>
-          <a:fillRef idx="0">
-            <a:schemeClr val="accent1"/>
-          </a:fillRef>
-          <a:effectRef idx="0">
-            <a:schemeClr val="accent1"/>
-          </a:effectRef>
-          <a:fontRef idx="minor">
-            <a:schemeClr val="tx1"/>
-          </a:fontRef>
-        </p:style>
-      </p:cxnSp>
-      <p:cxnSp>
-        <p:nvCxnSpPr>
-          <p:cNvPr id="29" name="Straight Connector 28">
-            <a:extLst>
-              <a:ext uri="{FF2B5EF4-FFF2-40B4-BE49-F238E27FC236}">
-                <a16:creationId xmlns:a16="http://schemas.microsoft.com/office/drawing/2014/main" id="{1A31B24D-AAB5-4B2F-ACE4-412E8D5FFA8F}"/>
-              </a:ext>
-            </a:extLst>
-          </p:cNvPr>
-          <p:cNvCxnSpPr>
-            <a:cxnSpLocks/>
-            <a:stCxn id="4" idx="3"/>
-            <a:endCxn id="7" idx="1"/>
-          </p:cNvCxnSpPr>
-          <p:nvPr/>
-        </p:nvCxnSpPr>
-        <p:spPr>
-          <a:xfrm>
-            <a:off x="1793931" y="3572776"/>
-            <a:ext cx="3402288" cy="1553648"/>
-          </a:xfrm>
-          <a:prstGeom prst="line">
-            <a:avLst/>
-          </a:prstGeom>
-          <a:ln w="15875"/>
-        </p:spPr>
-        <p:style>
-          <a:lnRef idx="1">
-            <a:schemeClr val="accent1"/>
-          </a:lnRef>
-          <a:fillRef idx="0">
-            <a:schemeClr val="accent1"/>
-          </a:fillRef>
-          <a:effectRef idx="0">
-            <a:schemeClr val="accent1"/>
-          </a:effectRef>
-          <a:fontRef idx="minor">
-            <a:schemeClr val="tx1"/>
-          </a:fontRef>
-        </p:style>
-      </p:cxnSp>
       <p:sp>
         <p:nvSpPr>
           <p:cNvPr id="49" name="TextBox 48">
@@ -7632,7 +7521,7 @@
         </p:nvSpPr>
         <p:spPr>
           <a:xfrm>
-            <a:off x="10407594" y="5539774"/>
+            <a:off x="6028155" y="5505000"/>
             <a:ext cx="1047750" cy="369332"/>
           </a:xfrm>
           <a:prstGeom prst="rect">
@@ -7649,42 +7538,6 @@
             <a:r>
               <a:rPr lang="en-US" altLang="zh-CN" dirty="0"/>
               <a:t>Host b</a:t>
-            </a:r>
-            <a:endParaRPr lang="en-US" dirty="0"/>
-          </a:p>
-        </p:txBody>
-      </p:sp>
-      <p:sp>
-        <p:nvSpPr>
-          <p:cNvPr id="51" name="TextBox 50">
-            <a:extLst>
-              <a:ext uri="{FF2B5EF4-FFF2-40B4-BE49-F238E27FC236}">
-                <a16:creationId xmlns:a16="http://schemas.microsoft.com/office/drawing/2014/main" id="{162710E3-1B60-492A-B52C-FD11356C472A}"/>
-              </a:ext>
-            </a:extLst>
-          </p:cNvPr>
-          <p:cNvSpPr txBox="1"/>
-          <p:nvPr/>
-        </p:nvSpPr>
-        <p:spPr>
-          <a:xfrm>
-            <a:off x="4943475" y="4471342"/>
-            <a:ext cx="1304925" cy="369332"/>
-          </a:xfrm>
-          <a:prstGeom prst="rect">
-            <a:avLst/>
-          </a:prstGeom>
-          <a:noFill/>
-        </p:spPr>
-        <p:txBody>
-          <a:bodyPr wrap="square" rtlCol="0">
-            <a:spAutoFit/>
-          </a:bodyPr>
-          <a:lstStyle/>
-          <a:p>
-            <a:r>
-              <a:rPr lang="en-US" altLang="zh-CN" dirty="0"/>
-              <a:t>R3_fedora</a:t>
             </a:r>
             <a:endParaRPr lang="en-US" dirty="0"/>
           </a:p>
@@ -7915,10 +7768,10 @@
       </p:sp>
       <p:sp>
         <p:nvSpPr>
-          <p:cNvPr id="22" name="TextBox 21">
-            <a:extLst>
-              <a:ext uri="{FF2B5EF4-FFF2-40B4-BE49-F238E27FC236}">
-                <a16:creationId xmlns:a16="http://schemas.microsoft.com/office/drawing/2014/main" id="{F4B58373-D3B4-4B1D-8D10-58535ECD8050}"/>
+          <p:cNvPr id="23" name="TextBox 22">
+            <a:extLst>
+              <a:ext uri="{FF2B5EF4-FFF2-40B4-BE49-F238E27FC236}">
+                <a16:creationId xmlns:a16="http://schemas.microsoft.com/office/drawing/2014/main" id="{D5F7AC48-8B44-45B4-809B-147CD28E4EE7}"/>
               </a:ext>
             </a:extLst>
           </p:cNvPr>
@@ -7927,8 +7780,56 @@
         </p:nvSpPr>
         <p:spPr>
           <a:xfrm>
-            <a:off x="3469110" y="4299154"/>
-            <a:ext cx="826342" cy="369332"/>
+            <a:off x="6876657" y="2150909"/>
+            <a:ext cx="731346" cy="369332"/>
+          </a:xfrm>
+          <a:prstGeom prst="rect">
+            <a:avLst/>
+          </a:prstGeom>
+        </p:spPr>
+        <p:style>
+          <a:lnRef idx="2">
+            <a:schemeClr val="accent1"/>
+          </a:lnRef>
+          <a:fillRef idx="1">
+            <a:schemeClr val="lt1"/>
+          </a:fillRef>
+          <a:effectRef idx="0">
+            <a:schemeClr val="accent1"/>
+          </a:effectRef>
+          <a:fontRef idx="minor">
+            <a:schemeClr val="dk1"/>
+          </a:fontRef>
+        </p:style>
+        <p:txBody>
+          <a:bodyPr wrap="square" rtlCol="0">
+            <a:spAutoFit/>
+          </a:bodyPr>
+          <a:lstStyle/>
+          <a:p>
+            <a:r>
+              <a:rPr lang="en-US" dirty="0"/>
+              <a:t>net17</a:t>
+            </a:r>
+          </a:p>
+        </p:txBody>
+      </p:sp>
+      <p:sp>
+        <p:nvSpPr>
+          <p:cNvPr id="26" name="TextBox 25">
+            <a:extLst>
+              <a:ext uri="{FF2B5EF4-FFF2-40B4-BE49-F238E27FC236}">
+                <a16:creationId xmlns:a16="http://schemas.microsoft.com/office/drawing/2014/main" id="{61FB0991-01EB-4F56-94BF-35817576298A}"/>
+              </a:ext>
+            </a:extLst>
+          </p:cNvPr>
+          <p:cNvSpPr txBox="1"/>
+          <p:nvPr/>
+        </p:nvSpPr>
+        <p:spPr>
+          <a:xfrm>
+            <a:off x="1103030" y="1907542"/>
+            <a:ext cx="744647" cy="369332"/>
           </a:xfrm>
           <a:prstGeom prst="rect">
             <a:avLst/>
@@ -8023,17 +7924,17 @@
           <a:p>
             <a:r>
               <a:rPr lang="en-US" dirty="0"/>
-              <a:t>net19</a:t>
-            </a:r>
-          </a:p>
-        </p:txBody>
-      </p:sp>
-      <p:sp>
-        <p:nvSpPr>
-          <p:cNvPr id="23" name="TextBox 22">
-            <a:extLst>
-              <a:ext uri="{FF2B5EF4-FFF2-40B4-BE49-F238E27FC236}">
-                <a16:creationId xmlns:a16="http://schemas.microsoft.com/office/drawing/2014/main" id="{D5F7AC48-8B44-45B4-809B-147CD28E4EE7}"/>
+              <a:t>net15</a:t>
+            </a:r>
+          </a:p>
+        </p:txBody>
+      </p:sp>
+      <p:sp>
+        <p:nvSpPr>
+          <p:cNvPr id="27" name="TextBox 26">
+            <a:extLst>
+              <a:ext uri="{FF2B5EF4-FFF2-40B4-BE49-F238E27FC236}">
+                <a16:creationId xmlns:a16="http://schemas.microsoft.com/office/drawing/2014/main" id="{5A1D637C-C267-4B6D-96BD-A9742C291D80}"/>
               </a:ext>
             </a:extLst>
           </p:cNvPr>
@@ -8042,56 +7943,8 @@
         </p:nvSpPr>
         <p:spPr>
           <a:xfrm>
-            <a:off x="6876657" y="2150909"/>
-            <a:ext cx="731346" cy="369332"/>
-          </a:xfrm>
-          <a:prstGeom prst="rect">
-            <a:avLst/>
-          </a:prstGeom>
-        </p:spPr>
-        <p:style>
-          <a:lnRef idx="2">
-            <a:schemeClr val="accent1"/>
-          </a:lnRef>
-          <a:fillRef idx="1">
-            <a:schemeClr val="lt1"/>
-          </a:fillRef>
-          <a:effectRef idx="0">
-            <a:schemeClr val="accent1"/>
-          </a:effectRef>
-          <a:fontRef idx="minor">
-            <a:schemeClr val="dk1"/>
-          </a:fontRef>
-        </p:style>
-        <p:txBody>
-          <a:bodyPr wrap="square" rtlCol="0">
-            <a:spAutoFit/>
-          </a:bodyPr>
-          <a:lstStyle/>
-          <a:p>
-            <a:r>
-              <a:rPr lang="en-US" dirty="0"/>
-              <a:t>net17</a:t>
-            </a:r>
-          </a:p>
-        </p:txBody>
-      </p:sp>
-      <p:sp>
-        <p:nvSpPr>
-          <p:cNvPr id="24" name="TextBox 23">
-            <a:extLst>
-              <a:ext uri="{FF2B5EF4-FFF2-40B4-BE49-F238E27FC236}">
-                <a16:creationId xmlns:a16="http://schemas.microsoft.com/office/drawing/2014/main" id="{76457091-1F92-4268-A830-7D871C326581}"/>
-              </a:ext>
-            </a:extLst>
-          </p:cNvPr>
-          <p:cNvSpPr txBox="1"/>
-          <p:nvPr/>
-        </p:nvSpPr>
-        <p:spPr>
-          <a:xfrm>
-            <a:off x="6959478" y="4209932"/>
-            <a:ext cx="815590" cy="369332"/>
+            <a:off x="7785284" y="4302272"/>
+            <a:ext cx="783057" cy="369332"/>
           </a:xfrm>
           <a:prstGeom prst="rect">
             <a:avLst/>
@@ -8186,17 +8039,17 @@
           <a:p>
             <a:r>
               <a:rPr lang="en-US" dirty="0"/>
-              <a:t>net16</a:t>
-            </a:r>
-          </a:p>
-        </p:txBody>
-      </p:sp>
-      <p:sp>
-        <p:nvSpPr>
-          <p:cNvPr id="26" name="TextBox 25">
-            <a:extLst>
-              <a:ext uri="{FF2B5EF4-FFF2-40B4-BE49-F238E27FC236}">
-                <a16:creationId xmlns:a16="http://schemas.microsoft.com/office/drawing/2014/main" id="{61FB0991-01EB-4F56-94BF-35817576298A}"/>
+              <a:t>net14</a:t>
+            </a:r>
+          </a:p>
+        </p:txBody>
+      </p:sp>
+      <p:sp>
+        <p:nvSpPr>
+          <p:cNvPr id="3" name="TextBox 2">
+            <a:extLst>
+              <a:ext uri="{FF2B5EF4-FFF2-40B4-BE49-F238E27FC236}">
+                <a16:creationId xmlns:a16="http://schemas.microsoft.com/office/drawing/2014/main" id="{CBC72F3E-F058-41D9-846F-1056F0142966}"/>
               </a:ext>
             </a:extLst>
           </p:cNvPr>
@@ -8205,8 +8058,1051 @@
         </p:nvSpPr>
         <p:spPr>
           <a:xfrm>
-            <a:off x="1103030" y="1907542"/>
-            <a:ext cx="744647" cy="369332"/>
+            <a:off x="1923479" y="3370310"/>
+            <a:ext cx="2533080" cy="523220"/>
+          </a:xfrm>
+          <a:prstGeom prst="rect">
+            <a:avLst/>
+          </a:prstGeom>
+          <a:noFill/>
+        </p:spPr>
+        <p:txBody>
+          <a:bodyPr wrap="square" rtlCol="0">
+            <a:spAutoFit/>
+          </a:bodyPr>
+          <a:lstStyle/>
+          <a:p>
+            <a:r>
+              <a:rPr lang="en-US" altLang="zh-CN" sz="1400" dirty="0"/>
+              <a:t>[ens34]</a:t>
+            </a:r>
+          </a:p>
+          <a:p>
+            <a:r>
+              <a:rPr lang="en-US" altLang="zh-CN" sz="1400" dirty="0"/>
+              <a:t>2000:2001::1001/120 </a:t>
+            </a:r>
+            <a:endParaRPr lang="en-US" sz="1400" dirty="0"/>
+          </a:p>
+        </p:txBody>
+      </p:sp>
+      <p:sp>
+        <p:nvSpPr>
+          <p:cNvPr id="28" name="TextBox 27">
+            <a:extLst>
+              <a:ext uri="{FF2B5EF4-FFF2-40B4-BE49-F238E27FC236}">
+                <a16:creationId xmlns:a16="http://schemas.microsoft.com/office/drawing/2014/main" id="{563E8D24-EE14-45CC-BD12-439494AF2A55}"/>
+              </a:ext>
+            </a:extLst>
+          </p:cNvPr>
+          <p:cNvSpPr txBox="1"/>
+          <p:nvPr/>
+        </p:nvSpPr>
+        <p:spPr>
+          <a:xfrm>
+            <a:off x="3495075" y="1201960"/>
+            <a:ext cx="2533080" cy="523220"/>
+          </a:xfrm>
+          <a:prstGeom prst="rect">
+            <a:avLst/>
+          </a:prstGeom>
+          <a:noFill/>
+        </p:spPr>
+        <p:txBody>
+          <a:bodyPr wrap="square" rtlCol="0">
+            <a:spAutoFit/>
+          </a:bodyPr>
+          <a:lstStyle/>
+          <a:p>
+            <a:r>
+              <a:rPr lang="en-US" altLang="zh-CN" sz="1400" dirty="0"/>
+              <a:t>[ens35]</a:t>
+            </a:r>
+          </a:p>
+          <a:p>
+            <a:r>
+              <a:rPr lang="en-US" altLang="zh-CN" sz="1400" dirty="0"/>
+              <a:t>2000:2001::1002/120 </a:t>
+            </a:r>
+            <a:endParaRPr lang="en-US" sz="1400" dirty="0"/>
+          </a:p>
+        </p:txBody>
+      </p:sp>
+      <p:sp>
+        <p:nvSpPr>
+          <p:cNvPr id="32" name="TextBox 31">
+            <a:extLst>
+              <a:ext uri="{FF2B5EF4-FFF2-40B4-BE49-F238E27FC236}">
+                <a16:creationId xmlns:a16="http://schemas.microsoft.com/office/drawing/2014/main" id="{D3D48E18-BAA8-41AD-906A-149C8D2CD1CB}"/>
+              </a:ext>
+            </a:extLst>
+          </p:cNvPr>
+          <p:cNvSpPr txBox="1"/>
+          <p:nvPr/>
+        </p:nvSpPr>
+        <p:spPr>
+          <a:xfrm>
+            <a:off x="7365626" y="2838603"/>
+            <a:ext cx="2533080" cy="523220"/>
+          </a:xfrm>
+          <a:prstGeom prst="rect">
+            <a:avLst/>
+          </a:prstGeom>
+          <a:noFill/>
+        </p:spPr>
+        <p:txBody>
+          <a:bodyPr wrap="square" rtlCol="0">
+            <a:spAutoFit/>
+          </a:bodyPr>
+          <a:lstStyle/>
+          <a:p>
+            <a:r>
+              <a:rPr lang="en-US" altLang="zh-CN" sz="1400" dirty="0"/>
+              <a:t>[ens35]</a:t>
+            </a:r>
+          </a:p>
+          <a:p>
+            <a:r>
+              <a:rPr lang="en-US" altLang="zh-CN" sz="1400" dirty="0"/>
+              <a:t>2000:2002::1004/120 </a:t>
+            </a:r>
+            <a:endParaRPr lang="en-US" sz="1400" dirty="0"/>
+          </a:p>
+        </p:txBody>
+      </p:sp>
+      <p:sp>
+        <p:nvSpPr>
+          <p:cNvPr id="33" name="TextBox 32">
+            <a:extLst>
+              <a:ext uri="{FF2B5EF4-FFF2-40B4-BE49-F238E27FC236}">
+                <a16:creationId xmlns:a16="http://schemas.microsoft.com/office/drawing/2014/main" id="{6B351EA2-3C82-4031-8144-AAC535826D19}"/>
+              </a:ext>
+            </a:extLst>
+          </p:cNvPr>
+          <p:cNvSpPr txBox="1"/>
+          <p:nvPr/>
+        </p:nvSpPr>
+        <p:spPr>
+          <a:xfrm>
+            <a:off x="5949400" y="1279536"/>
+            <a:ext cx="2533080" cy="523220"/>
+          </a:xfrm>
+          <a:prstGeom prst="rect">
+            <a:avLst/>
+          </a:prstGeom>
+          <a:noFill/>
+        </p:spPr>
+        <p:txBody>
+          <a:bodyPr wrap="square" rtlCol="0">
+            <a:spAutoFit/>
+          </a:bodyPr>
+          <a:lstStyle/>
+          <a:p>
+            <a:r>
+              <a:rPr lang="en-US" altLang="zh-CN" sz="1400" dirty="0"/>
+              <a:t>[ens34]</a:t>
+            </a:r>
+          </a:p>
+          <a:p>
+            <a:r>
+              <a:rPr lang="en-US" altLang="zh-CN" sz="1400" dirty="0"/>
+              <a:t>2000:2002::1002/120 </a:t>
+            </a:r>
+            <a:endParaRPr lang="en-US" sz="1400" dirty="0"/>
+          </a:p>
+        </p:txBody>
+      </p:sp>
+      <p:sp>
+        <p:nvSpPr>
+          <p:cNvPr id="36" name="TextBox 35">
+            <a:extLst>
+              <a:ext uri="{FF2B5EF4-FFF2-40B4-BE49-F238E27FC236}">
+                <a16:creationId xmlns:a16="http://schemas.microsoft.com/office/drawing/2014/main" id="{F94559B4-D671-4C87-A116-AC80DC9902AA}"/>
+              </a:ext>
+            </a:extLst>
+          </p:cNvPr>
+          <p:cNvSpPr txBox="1"/>
+          <p:nvPr/>
+        </p:nvSpPr>
+        <p:spPr>
+          <a:xfrm>
+            <a:off x="368103" y="2691772"/>
+            <a:ext cx="2533080" cy="523220"/>
+          </a:xfrm>
+          <a:prstGeom prst="rect">
+            <a:avLst/>
+          </a:prstGeom>
+          <a:noFill/>
+        </p:spPr>
+        <p:txBody>
+          <a:bodyPr wrap="square" rtlCol="0">
+            <a:spAutoFit/>
+          </a:bodyPr>
+          <a:lstStyle/>
+          <a:p>
+            <a:r>
+              <a:rPr lang="en-US" altLang="zh-CN" sz="1400" dirty="0"/>
+              <a:t>[ens36]</a:t>
+            </a:r>
+          </a:p>
+          <a:p>
+            <a:r>
+              <a:rPr lang="en-US" altLang="zh-CN" sz="1400" dirty="0"/>
+              <a:t>2000:200a::1001/120 </a:t>
+            </a:r>
+            <a:endParaRPr lang="en-US" sz="1400" dirty="0"/>
+          </a:p>
+        </p:txBody>
+      </p:sp>
+      <p:sp>
+        <p:nvSpPr>
+          <p:cNvPr id="37" name="TextBox 36">
+            <a:extLst>
+              <a:ext uri="{FF2B5EF4-FFF2-40B4-BE49-F238E27FC236}">
+                <a16:creationId xmlns:a16="http://schemas.microsoft.com/office/drawing/2014/main" id="{3DCCFAFB-8B24-4AFB-9F23-F0E77BBA1C1A}"/>
+              </a:ext>
+            </a:extLst>
+          </p:cNvPr>
+          <p:cNvSpPr txBox="1"/>
+          <p:nvPr/>
+        </p:nvSpPr>
+        <p:spPr>
+          <a:xfrm>
+            <a:off x="368103" y="1189132"/>
+            <a:ext cx="2533080" cy="523220"/>
+          </a:xfrm>
+          <a:prstGeom prst="rect">
+            <a:avLst/>
+          </a:prstGeom>
+          <a:noFill/>
+        </p:spPr>
+        <p:txBody>
+          <a:bodyPr wrap="square" rtlCol="0">
+            <a:spAutoFit/>
+          </a:bodyPr>
+          <a:lstStyle/>
+          <a:p>
+            <a:r>
+              <a:rPr lang="en-US" altLang="zh-CN" sz="1400" dirty="0"/>
+              <a:t>[ens34]</a:t>
+            </a:r>
+          </a:p>
+          <a:p>
+            <a:r>
+              <a:rPr lang="en-US" altLang="zh-CN" sz="1400" dirty="0"/>
+              <a:t>2000:200a::100a/120 </a:t>
+            </a:r>
+            <a:endParaRPr lang="en-US" sz="1400" dirty="0"/>
+          </a:p>
+        </p:txBody>
+      </p:sp>
+      <p:sp>
+        <p:nvSpPr>
+          <p:cNvPr id="38" name="TextBox 37">
+            <a:extLst>
+              <a:ext uri="{FF2B5EF4-FFF2-40B4-BE49-F238E27FC236}">
+                <a16:creationId xmlns:a16="http://schemas.microsoft.com/office/drawing/2014/main" id="{0C4B0499-667D-4D13-BBA8-893857340DAE}"/>
+              </a:ext>
+            </a:extLst>
+          </p:cNvPr>
+          <p:cNvSpPr txBox="1"/>
+          <p:nvPr/>
+        </p:nvSpPr>
+        <p:spPr>
+          <a:xfrm>
+            <a:off x="5874149" y="4517000"/>
+            <a:ext cx="2020577" cy="523220"/>
+          </a:xfrm>
+          <a:prstGeom prst="rect">
+            <a:avLst/>
+          </a:prstGeom>
+          <a:noFill/>
+        </p:spPr>
+        <p:txBody>
+          <a:bodyPr wrap="square" rtlCol="0">
+            <a:spAutoFit/>
+          </a:bodyPr>
+          <a:lstStyle/>
+          <a:p>
+            <a:r>
+              <a:rPr lang="en-US" altLang="zh-CN" sz="1400" dirty="0"/>
+              <a:t>[ens34]</a:t>
+            </a:r>
+          </a:p>
+          <a:p>
+            <a:r>
+              <a:rPr lang="en-US" altLang="zh-CN" sz="1400" dirty="0"/>
+              <a:t>2000:200b::100b/120 </a:t>
+            </a:r>
+            <a:endParaRPr lang="en-US" sz="1400" dirty="0"/>
+          </a:p>
+        </p:txBody>
+      </p:sp>
+      <p:sp>
+        <p:nvSpPr>
+          <p:cNvPr id="39" name="TextBox 38">
+            <a:extLst>
+              <a:ext uri="{FF2B5EF4-FFF2-40B4-BE49-F238E27FC236}">
+                <a16:creationId xmlns:a16="http://schemas.microsoft.com/office/drawing/2014/main" id="{A12258A4-F1B4-4F61-8298-F7ED59AB2E79}"/>
+              </a:ext>
+            </a:extLst>
+          </p:cNvPr>
+          <p:cNvSpPr txBox="1"/>
+          <p:nvPr/>
+        </p:nvSpPr>
+        <p:spPr>
+          <a:xfrm>
+            <a:off x="8945280" y="3830153"/>
+            <a:ext cx="2533080" cy="523220"/>
+          </a:xfrm>
+          <a:prstGeom prst="rect">
+            <a:avLst/>
+          </a:prstGeom>
+          <a:noFill/>
+        </p:spPr>
+        <p:txBody>
+          <a:bodyPr wrap="square" rtlCol="0">
+            <a:spAutoFit/>
+          </a:bodyPr>
+          <a:lstStyle/>
+          <a:p>
+            <a:r>
+              <a:rPr lang="en-US" altLang="zh-CN" sz="1400" dirty="0"/>
+              <a:t>[ens36]</a:t>
+            </a:r>
+          </a:p>
+          <a:p>
+            <a:r>
+              <a:rPr lang="en-US" altLang="zh-CN" sz="1400" dirty="0"/>
+              <a:t>2000:200b::1004/120</a:t>
+            </a:r>
+            <a:endParaRPr lang="en-US" sz="1400" dirty="0"/>
+          </a:p>
+        </p:txBody>
+      </p:sp>
+      <p:sp>
+        <p:nvSpPr>
+          <p:cNvPr id="10" name="TextBox 9">
+            <a:extLst>
+              <a:ext uri="{FF2B5EF4-FFF2-40B4-BE49-F238E27FC236}">
+                <a16:creationId xmlns:a16="http://schemas.microsoft.com/office/drawing/2014/main" id="{97EDEADF-8C41-47C0-BE8C-93825602A731}"/>
+              </a:ext>
+            </a:extLst>
+          </p:cNvPr>
+          <p:cNvSpPr txBox="1"/>
+          <p:nvPr/>
+        </p:nvSpPr>
+        <p:spPr>
+          <a:xfrm>
+            <a:off x="881743" y="5909106"/>
+            <a:ext cx="2906486" cy="369332"/>
+          </a:xfrm>
+          <a:prstGeom prst="rect">
+            <a:avLst/>
+          </a:prstGeom>
+          <a:noFill/>
+        </p:spPr>
+        <p:txBody>
+          <a:bodyPr wrap="square" rtlCol="0">
+            <a:spAutoFit/>
+          </a:bodyPr>
+          <a:lstStyle/>
+          <a:p>
+            <a:r>
+              <a:rPr lang="en-US" dirty="0"/>
+              <a:t>IPv4 VPN tunnel over SRv6</a:t>
+            </a:r>
+          </a:p>
+        </p:txBody>
+      </p:sp>
+    </p:spTree>
+    <p:extLst>
+      <p:ext uri="{BB962C8B-B14F-4D97-AF65-F5344CB8AC3E}">
+        <p14:creationId xmlns:p14="http://schemas.microsoft.com/office/powerpoint/2010/main" val="2382410660"/>
+      </p:ext>
+    </p:extLst>
+  </p:cSld>
+  <p:clrMapOvr>
+    <a:masterClrMapping/>
+  </p:clrMapOvr>
+</p:sld>
+</file>
+
+<file path=ppt/slides/slide4.xml><?xml version="1.0" encoding="utf-8"?>
+<p:sld xmlns:a="http://schemas.openxmlformats.org/drawingml/2006/main" xmlns:r="http://schemas.openxmlformats.org/officeDocument/2006/relationships" xmlns:p="http://schemas.openxmlformats.org/presentationml/2006/main">
+  <p:cSld>
+    <p:spTree>
+      <p:nvGrpSpPr>
+        <p:cNvPr id="1" name=""/>
+        <p:cNvGrpSpPr/>
+        <p:nvPr/>
+      </p:nvGrpSpPr>
+      <p:grpSpPr>
+        <a:xfrm>
+          <a:off x="0" y="0"/>
+          <a:ext cx="0" cy="0"/>
+          <a:chOff x="0" y="0"/>
+          <a:chExt cx="0" cy="0"/>
+        </a:xfrm>
+      </p:grpSpPr>
+      <p:pic>
+        <p:nvPicPr>
+          <p:cNvPr id="4" name="Picture 3">
+            <a:extLst>
+              <a:ext uri="{FF2B5EF4-FFF2-40B4-BE49-F238E27FC236}">
+                <a16:creationId xmlns:a16="http://schemas.microsoft.com/office/drawing/2014/main" id="{C1C7F85F-D525-4486-AEEA-472284EF011B}"/>
+              </a:ext>
+            </a:extLst>
+          </p:cNvPr>
+          <p:cNvPicPr>
+            <a:picLocks noChangeAspect="1"/>
+          </p:cNvPicPr>
+          <p:nvPr/>
+        </p:nvPicPr>
+        <p:blipFill>
+          <a:blip r:embed="rId2"/>
+          <a:stretch>
+            <a:fillRect/>
+          </a:stretch>
+        </p:blipFill>
+        <p:spPr>
+          <a:xfrm>
+            <a:off x="1156777" y="3290801"/>
+            <a:ext cx="637154" cy="563949"/>
+          </a:xfrm>
+          <a:prstGeom prst="rect">
+            <a:avLst/>
+          </a:prstGeom>
+        </p:spPr>
+      </p:pic>
+      <p:pic>
+        <p:nvPicPr>
+          <p:cNvPr id="5" name="Picture 4">
+            <a:extLst>
+              <a:ext uri="{FF2B5EF4-FFF2-40B4-BE49-F238E27FC236}">
+                <a16:creationId xmlns:a16="http://schemas.microsoft.com/office/drawing/2014/main" id="{472AD5CB-AB03-4848-8106-1FE1677256D3}"/>
+              </a:ext>
+            </a:extLst>
+          </p:cNvPr>
+          <p:cNvPicPr>
+            <a:picLocks noChangeAspect="1"/>
+          </p:cNvPicPr>
+          <p:nvPr/>
+        </p:nvPicPr>
+        <p:blipFill>
+          <a:blip r:embed="rId2"/>
+          <a:stretch>
+            <a:fillRect/>
+          </a:stretch>
+        </p:blipFill>
+        <p:spPr>
+          <a:xfrm>
+            <a:off x="5196219" y="1262946"/>
+            <a:ext cx="637154" cy="563949"/>
+          </a:xfrm>
+          <a:prstGeom prst="rect">
+            <a:avLst/>
+          </a:prstGeom>
+        </p:spPr>
+      </p:pic>
+      <p:pic>
+        <p:nvPicPr>
+          <p:cNvPr id="6" name="Picture 5">
+            <a:extLst>
+              <a:ext uri="{FF2B5EF4-FFF2-40B4-BE49-F238E27FC236}">
+                <a16:creationId xmlns:a16="http://schemas.microsoft.com/office/drawing/2014/main" id="{C1C7F85F-D525-4486-AEEA-472284EF011B}"/>
+              </a:ext>
+            </a:extLst>
+          </p:cNvPr>
+          <p:cNvPicPr>
+            <a:picLocks noChangeAspect="1"/>
+          </p:cNvPicPr>
+          <p:nvPr/>
+        </p:nvPicPr>
+        <p:blipFill>
+          <a:blip r:embed="rId2"/>
+          <a:stretch>
+            <a:fillRect/>
+          </a:stretch>
+        </p:blipFill>
+        <p:spPr>
+          <a:xfrm>
+            <a:off x="9101648" y="3294576"/>
+            <a:ext cx="637154" cy="563949"/>
+          </a:xfrm>
+          <a:prstGeom prst="rect">
+            <a:avLst/>
+          </a:prstGeom>
+        </p:spPr>
+      </p:pic>
+      <p:pic>
+        <p:nvPicPr>
+          <p:cNvPr id="7" name="Picture 6">
+            <a:extLst>
+              <a:ext uri="{FF2B5EF4-FFF2-40B4-BE49-F238E27FC236}">
+                <a16:creationId xmlns:a16="http://schemas.microsoft.com/office/drawing/2014/main" id="{C1C7F85F-D525-4486-AEEA-472284EF011B}"/>
+              </a:ext>
+            </a:extLst>
+          </p:cNvPr>
+          <p:cNvPicPr>
+            <a:picLocks noChangeAspect="1"/>
+          </p:cNvPicPr>
+          <p:nvPr/>
+        </p:nvPicPr>
+        <p:blipFill>
+          <a:blip r:embed="rId2"/>
+          <a:stretch>
+            <a:fillRect/>
+          </a:stretch>
+        </p:blipFill>
+        <p:spPr>
+          <a:xfrm>
+            <a:off x="5196219" y="4844449"/>
+            <a:ext cx="637154" cy="563949"/>
+          </a:xfrm>
+          <a:prstGeom prst="rect">
+            <a:avLst/>
+          </a:prstGeom>
+        </p:spPr>
+      </p:pic>
+      <p:pic>
+        <p:nvPicPr>
+          <p:cNvPr id="8" name="Picture 7">
+            <a:extLst>
+              <a:ext uri="{FF2B5EF4-FFF2-40B4-BE49-F238E27FC236}">
+                <a16:creationId xmlns:a16="http://schemas.microsoft.com/office/drawing/2014/main" id="{C1C7F85F-D525-4486-AEEA-472284EF011B}"/>
+              </a:ext>
+            </a:extLst>
+          </p:cNvPr>
+          <p:cNvPicPr>
+            <a:picLocks noChangeAspect="1"/>
+          </p:cNvPicPr>
+          <p:nvPr/>
+        </p:nvPicPr>
+        <p:blipFill>
+          <a:blip r:embed="rId2"/>
+          <a:stretch>
+            <a:fillRect/>
+          </a:stretch>
+        </p:blipFill>
+        <p:spPr>
+          <a:xfrm>
+            <a:off x="1129223" y="767645"/>
+            <a:ext cx="637154" cy="563949"/>
+          </a:xfrm>
+          <a:prstGeom prst="rect">
+            <a:avLst/>
+          </a:prstGeom>
+        </p:spPr>
+      </p:pic>
+      <p:pic>
+        <p:nvPicPr>
+          <p:cNvPr id="9" name="Picture 8">
+            <a:extLst>
+              <a:ext uri="{FF2B5EF4-FFF2-40B4-BE49-F238E27FC236}">
+                <a16:creationId xmlns:a16="http://schemas.microsoft.com/office/drawing/2014/main" id="{C1C7F85F-D525-4486-AEEA-472284EF011B}"/>
+              </a:ext>
+            </a:extLst>
+          </p:cNvPr>
+          <p:cNvPicPr>
+            <a:picLocks noChangeAspect="1"/>
+          </p:cNvPicPr>
+          <p:nvPr/>
+        </p:nvPicPr>
+        <p:blipFill>
+          <a:blip r:embed="rId2"/>
+          <a:stretch>
+            <a:fillRect/>
+          </a:stretch>
+        </p:blipFill>
+        <p:spPr>
+          <a:xfrm>
+            <a:off x="10417119" y="4975825"/>
+            <a:ext cx="637154" cy="563949"/>
+          </a:xfrm>
+          <a:prstGeom prst="rect">
+            <a:avLst/>
+          </a:prstGeom>
+        </p:spPr>
+      </p:pic>
+      <p:cxnSp>
+        <p:nvCxnSpPr>
+          <p:cNvPr id="11" name="Straight Connector 10">
+            <a:extLst>
+              <a:ext uri="{FF2B5EF4-FFF2-40B4-BE49-F238E27FC236}">
+                <a16:creationId xmlns:a16="http://schemas.microsoft.com/office/drawing/2014/main" id="{2A8777E9-DE20-4BE0-995A-5509B20601B2}"/>
+              </a:ext>
+            </a:extLst>
+          </p:cNvPr>
+          <p:cNvCxnSpPr>
+            <a:cxnSpLocks/>
+            <a:stCxn id="8" idx="2"/>
+            <a:endCxn id="4" idx="0"/>
+          </p:cNvCxnSpPr>
+          <p:nvPr/>
+        </p:nvCxnSpPr>
+        <p:spPr>
+          <a:xfrm>
+            <a:off x="1447800" y="1331594"/>
+            <a:ext cx="27554" cy="1959207"/>
+          </a:xfrm>
+          <a:prstGeom prst="line">
+            <a:avLst/>
+          </a:prstGeom>
+          <a:ln w="15875"/>
+        </p:spPr>
+        <p:style>
+          <a:lnRef idx="1">
+            <a:schemeClr val="accent1"/>
+          </a:lnRef>
+          <a:fillRef idx="0">
+            <a:schemeClr val="accent1"/>
+          </a:fillRef>
+          <a:effectRef idx="0">
+            <a:schemeClr val="accent1"/>
+          </a:effectRef>
+          <a:fontRef idx="minor">
+            <a:schemeClr val="tx1"/>
+          </a:fontRef>
+        </p:style>
+      </p:cxnSp>
+      <p:cxnSp>
+        <p:nvCxnSpPr>
+          <p:cNvPr id="15" name="Straight Connector 14">
+            <a:extLst>
+              <a:ext uri="{FF2B5EF4-FFF2-40B4-BE49-F238E27FC236}">
+                <a16:creationId xmlns:a16="http://schemas.microsoft.com/office/drawing/2014/main" id="{556BB994-D2C4-4CD7-8A81-0673C65A66D9}"/>
+              </a:ext>
+            </a:extLst>
+          </p:cNvPr>
+          <p:cNvCxnSpPr>
+            <a:cxnSpLocks/>
+            <a:stCxn id="4" idx="3"/>
+            <a:endCxn id="5" idx="1"/>
+          </p:cNvCxnSpPr>
+          <p:nvPr/>
+        </p:nvCxnSpPr>
+        <p:spPr>
+          <a:xfrm flipV="1">
+            <a:off x="1793931" y="1544921"/>
+            <a:ext cx="3402288" cy="2027855"/>
+          </a:xfrm>
+          <a:prstGeom prst="line">
+            <a:avLst/>
+          </a:prstGeom>
+          <a:ln w="15875"/>
+        </p:spPr>
+        <p:style>
+          <a:lnRef idx="1">
+            <a:schemeClr val="accent1"/>
+          </a:lnRef>
+          <a:fillRef idx="0">
+            <a:schemeClr val="accent1"/>
+          </a:fillRef>
+          <a:effectRef idx="0">
+            <a:schemeClr val="accent1"/>
+          </a:effectRef>
+          <a:fontRef idx="minor">
+            <a:schemeClr val="tx1"/>
+          </a:fontRef>
+        </p:style>
+      </p:cxnSp>
+      <p:cxnSp>
+        <p:nvCxnSpPr>
+          <p:cNvPr id="18" name="Straight Connector 17">
+            <a:extLst>
+              <a:ext uri="{FF2B5EF4-FFF2-40B4-BE49-F238E27FC236}">
+                <a16:creationId xmlns:a16="http://schemas.microsoft.com/office/drawing/2014/main" id="{14455857-8645-4C43-845D-7FFA49FA4FD9}"/>
+              </a:ext>
+            </a:extLst>
+          </p:cNvPr>
+          <p:cNvCxnSpPr>
+            <a:cxnSpLocks/>
+            <a:stCxn id="5" idx="3"/>
+            <a:endCxn id="6" idx="1"/>
+          </p:cNvCxnSpPr>
+          <p:nvPr/>
+        </p:nvCxnSpPr>
+        <p:spPr>
+          <a:xfrm>
+            <a:off x="5833373" y="1544921"/>
+            <a:ext cx="3268275" cy="2031630"/>
+          </a:xfrm>
+          <a:prstGeom prst="line">
+            <a:avLst/>
+          </a:prstGeom>
+          <a:ln w="15875"/>
+        </p:spPr>
+        <p:style>
+          <a:lnRef idx="1">
+            <a:schemeClr val="accent1"/>
+          </a:lnRef>
+          <a:fillRef idx="0">
+            <a:schemeClr val="accent1"/>
+          </a:fillRef>
+          <a:effectRef idx="0">
+            <a:schemeClr val="accent1"/>
+          </a:effectRef>
+          <a:fontRef idx="minor">
+            <a:schemeClr val="tx1"/>
+          </a:fontRef>
+        </p:style>
+      </p:cxnSp>
+      <p:cxnSp>
+        <p:nvCxnSpPr>
+          <p:cNvPr id="21" name="Straight Connector 20">
+            <a:extLst>
+              <a:ext uri="{FF2B5EF4-FFF2-40B4-BE49-F238E27FC236}">
+                <a16:creationId xmlns:a16="http://schemas.microsoft.com/office/drawing/2014/main" id="{DDE9C72A-900C-404F-8252-E0CE644BCB20}"/>
+              </a:ext>
+            </a:extLst>
+          </p:cNvPr>
+          <p:cNvCxnSpPr>
+            <a:cxnSpLocks/>
+            <a:stCxn id="6" idx="3"/>
+            <a:endCxn id="9" idx="1"/>
+          </p:cNvCxnSpPr>
+          <p:nvPr/>
+        </p:nvCxnSpPr>
+        <p:spPr>
+          <a:xfrm>
+            <a:off x="9738802" y="3576551"/>
+            <a:ext cx="678317" cy="1681249"/>
+          </a:xfrm>
+          <a:prstGeom prst="line">
+            <a:avLst/>
+          </a:prstGeom>
+          <a:ln w="15875"/>
+        </p:spPr>
+        <p:style>
+          <a:lnRef idx="1">
+            <a:schemeClr val="accent1"/>
+          </a:lnRef>
+          <a:fillRef idx="0">
+            <a:schemeClr val="accent1"/>
+          </a:fillRef>
+          <a:effectRef idx="0">
+            <a:schemeClr val="accent1"/>
+          </a:effectRef>
+          <a:fontRef idx="minor">
+            <a:schemeClr val="tx1"/>
+          </a:fontRef>
+        </p:style>
+      </p:cxnSp>
+      <p:cxnSp>
+        <p:nvCxnSpPr>
+          <p:cNvPr id="25" name="Straight Connector 24">
+            <a:extLst>
+              <a:ext uri="{FF2B5EF4-FFF2-40B4-BE49-F238E27FC236}">
+                <a16:creationId xmlns:a16="http://schemas.microsoft.com/office/drawing/2014/main" id="{A5239319-6E43-452F-80D2-ABBC80689E99}"/>
+              </a:ext>
+            </a:extLst>
+          </p:cNvPr>
+          <p:cNvCxnSpPr>
+            <a:cxnSpLocks/>
+            <a:stCxn id="6" idx="1"/>
+            <a:endCxn id="7" idx="3"/>
+          </p:cNvCxnSpPr>
+          <p:nvPr/>
+        </p:nvCxnSpPr>
+        <p:spPr>
+          <a:xfrm flipH="1">
+            <a:off x="5833373" y="3576551"/>
+            <a:ext cx="3268275" cy="1549873"/>
+          </a:xfrm>
+          <a:prstGeom prst="line">
+            <a:avLst/>
+          </a:prstGeom>
+          <a:ln w="15875"/>
+        </p:spPr>
+        <p:style>
+          <a:lnRef idx="1">
+            <a:schemeClr val="accent1"/>
+          </a:lnRef>
+          <a:fillRef idx="0">
+            <a:schemeClr val="accent1"/>
+          </a:fillRef>
+          <a:effectRef idx="0">
+            <a:schemeClr val="accent1"/>
+          </a:effectRef>
+          <a:fontRef idx="minor">
+            <a:schemeClr val="tx1"/>
+          </a:fontRef>
+        </p:style>
+      </p:cxnSp>
+      <p:cxnSp>
+        <p:nvCxnSpPr>
+          <p:cNvPr id="29" name="Straight Connector 28">
+            <a:extLst>
+              <a:ext uri="{FF2B5EF4-FFF2-40B4-BE49-F238E27FC236}">
+                <a16:creationId xmlns:a16="http://schemas.microsoft.com/office/drawing/2014/main" id="{1A31B24D-AAB5-4B2F-ACE4-412E8D5FFA8F}"/>
+              </a:ext>
+            </a:extLst>
+          </p:cNvPr>
+          <p:cNvCxnSpPr>
+            <a:cxnSpLocks/>
+            <a:stCxn id="4" idx="3"/>
+            <a:endCxn id="7" idx="1"/>
+          </p:cNvCxnSpPr>
+          <p:nvPr/>
+        </p:nvCxnSpPr>
+        <p:spPr>
+          <a:xfrm>
+            <a:off x="1793931" y="3572776"/>
+            <a:ext cx="3402288" cy="1553648"/>
+          </a:xfrm>
+          <a:prstGeom prst="line">
+            <a:avLst/>
+          </a:prstGeom>
+          <a:ln w="15875"/>
+        </p:spPr>
+        <p:style>
+          <a:lnRef idx="1">
+            <a:schemeClr val="accent1"/>
+          </a:lnRef>
+          <a:fillRef idx="0">
+            <a:schemeClr val="accent1"/>
+          </a:fillRef>
+          <a:effectRef idx="0">
+            <a:schemeClr val="accent1"/>
+          </a:effectRef>
+          <a:fontRef idx="minor">
+            <a:schemeClr val="tx1"/>
+          </a:fontRef>
+        </p:style>
+      </p:cxnSp>
+      <p:sp>
+        <p:nvSpPr>
+          <p:cNvPr id="49" name="TextBox 48">
+            <a:extLst>
+              <a:ext uri="{FF2B5EF4-FFF2-40B4-BE49-F238E27FC236}">
+                <a16:creationId xmlns:a16="http://schemas.microsoft.com/office/drawing/2014/main" id="{660F8F7F-4973-4B36-922C-0D0F342EFA9E}"/>
+              </a:ext>
+            </a:extLst>
+          </p:cNvPr>
+          <p:cNvSpPr txBox="1"/>
+          <p:nvPr/>
+        </p:nvSpPr>
+        <p:spPr>
+          <a:xfrm>
+            <a:off x="1047750" y="432585"/>
+            <a:ext cx="1047750" cy="369332"/>
+          </a:xfrm>
+          <a:prstGeom prst="rect">
+            <a:avLst/>
+          </a:prstGeom>
+          <a:noFill/>
+        </p:spPr>
+        <p:txBody>
+          <a:bodyPr wrap="square" rtlCol="0">
+            <a:spAutoFit/>
+          </a:bodyPr>
+          <a:lstStyle/>
+          <a:p>
+            <a:r>
+              <a:rPr lang="en-US" altLang="zh-CN" dirty="0"/>
+              <a:t>Host a</a:t>
+            </a:r>
+            <a:endParaRPr lang="en-US" dirty="0"/>
+          </a:p>
+        </p:txBody>
+      </p:sp>
+      <p:sp>
+        <p:nvSpPr>
+          <p:cNvPr id="50" name="TextBox 49">
+            <a:extLst>
+              <a:ext uri="{FF2B5EF4-FFF2-40B4-BE49-F238E27FC236}">
+                <a16:creationId xmlns:a16="http://schemas.microsoft.com/office/drawing/2014/main" id="{4CFC19F4-D4AA-4CE8-A54B-FF9FDE358728}"/>
+              </a:ext>
+            </a:extLst>
+          </p:cNvPr>
+          <p:cNvSpPr txBox="1"/>
+          <p:nvPr/>
+        </p:nvSpPr>
+        <p:spPr>
+          <a:xfrm>
+            <a:off x="10407594" y="5539774"/>
+            <a:ext cx="1047750" cy="369332"/>
+          </a:xfrm>
+          <a:prstGeom prst="rect">
+            <a:avLst/>
+          </a:prstGeom>
+          <a:noFill/>
+        </p:spPr>
+        <p:txBody>
+          <a:bodyPr wrap="square" rtlCol="0">
+            <a:spAutoFit/>
+          </a:bodyPr>
+          <a:lstStyle/>
+          <a:p>
+            <a:r>
+              <a:rPr lang="en-US" altLang="zh-CN" dirty="0"/>
+              <a:t>Host b</a:t>
+            </a:r>
+            <a:endParaRPr lang="en-US" dirty="0"/>
+          </a:p>
+        </p:txBody>
+      </p:sp>
+      <p:sp>
+        <p:nvSpPr>
+          <p:cNvPr id="51" name="TextBox 50">
+            <a:extLst>
+              <a:ext uri="{FF2B5EF4-FFF2-40B4-BE49-F238E27FC236}">
+                <a16:creationId xmlns:a16="http://schemas.microsoft.com/office/drawing/2014/main" id="{162710E3-1B60-492A-B52C-FD11356C472A}"/>
+              </a:ext>
+            </a:extLst>
+          </p:cNvPr>
+          <p:cNvSpPr txBox="1"/>
+          <p:nvPr/>
+        </p:nvSpPr>
+        <p:spPr>
+          <a:xfrm>
+            <a:off x="4943475" y="4471342"/>
+            <a:ext cx="1304925" cy="369332"/>
+          </a:xfrm>
+          <a:prstGeom prst="rect">
+            <a:avLst/>
+          </a:prstGeom>
+          <a:noFill/>
+        </p:spPr>
+        <p:txBody>
+          <a:bodyPr wrap="square" rtlCol="0">
+            <a:spAutoFit/>
+          </a:bodyPr>
+          <a:lstStyle/>
+          <a:p>
+            <a:r>
+              <a:rPr lang="en-US" altLang="zh-CN" dirty="0"/>
+              <a:t>R3_fedora</a:t>
+            </a:r>
+            <a:endParaRPr lang="en-US" dirty="0"/>
+          </a:p>
+        </p:txBody>
+      </p:sp>
+      <p:sp>
+        <p:nvSpPr>
+          <p:cNvPr id="52" name="TextBox 51">
+            <a:extLst>
+              <a:ext uri="{FF2B5EF4-FFF2-40B4-BE49-F238E27FC236}">
+                <a16:creationId xmlns:a16="http://schemas.microsoft.com/office/drawing/2014/main" id="{3CFACE8B-EFB8-497B-A9C7-2FA8B3D2D3D6}"/>
+              </a:ext>
+            </a:extLst>
+          </p:cNvPr>
+          <p:cNvSpPr txBox="1"/>
+          <p:nvPr/>
+        </p:nvSpPr>
+        <p:spPr>
+          <a:xfrm>
+            <a:off x="714375" y="3811071"/>
+            <a:ext cx="1304925" cy="369332"/>
+          </a:xfrm>
+          <a:prstGeom prst="rect">
+            <a:avLst/>
+          </a:prstGeom>
+          <a:noFill/>
+        </p:spPr>
+        <p:txBody>
+          <a:bodyPr wrap="square" rtlCol="0">
+            <a:spAutoFit/>
+          </a:bodyPr>
+          <a:lstStyle/>
+          <a:p>
+            <a:r>
+              <a:rPr lang="en-US" altLang="zh-CN" dirty="0"/>
+              <a:t>R1_fedora</a:t>
+            </a:r>
+            <a:endParaRPr lang="en-US" dirty="0"/>
+          </a:p>
+        </p:txBody>
+      </p:sp>
+      <p:sp>
+        <p:nvSpPr>
+          <p:cNvPr id="53" name="TextBox 52">
+            <a:extLst>
+              <a:ext uri="{FF2B5EF4-FFF2-40B4-BE49-F238E27FC236}">
+                <a16:creationId xmlns:a16="http://schemas.microsoft.com/office/drawing/2014/main" id="{F651A3B9-5E4C-4251-9A0D-721AD27BB77E}"/>
+              </a:ext>
+            </a:extLst>
+          </p:cNvPr>
+          <p:cNvSpPr txBox="1"/>
+          <p:nvPr/>
+        </p:nvSpPr>
+        <p:spPr>
+          <a:xfrm>
+            <a:off x="5000625" y="864953"/>
+            <a:ext cx="1304925" cy="369332"/>
+          </a:xfrm>
+          <a:prstGeom prst="rect">
+            <a:avLst/>
+          </a:prstGeom>
+          <a:noFill/>
+        </p:spPr>
+        <p:txBody>
+          <a:bodyPr wrap="square" rtlCol="0">
+            <a:spAutoFit/>
+          </a:bodyPr>
+          <a:lstStyle/>
+          <a:p>
+            <a:r>
+              <a:rPr lang="en-US" altLang="zh-CN" dirty="0"/>
+              <a:t>R2_fedora</a:t>
+            </a:r>
+            <a:endParaRPr lang="en-US" dirty="0"/>
+          </a:p>
+        </p:txBody>
+      </p:sp>
+      <p:sp>
+        <p:nvSpPr>
+          <p:cNvPr id="54" name="TextBox 53">
+            <a:extLst>
+              <a:ext uri="{FF2B5EF4-FFF2-40B4-BE49-F238E27FC236}">
+                <a16:creationId xmlns:a16="http://schemas.microsoft.com/office/drawing/2014/main" id="{9EAE06F7-26FF-41EA-BC95-65218380A8EA}"/>
+              </a:ext>
+            </a:extLst>
+          </p:cNvPr>
+          <p:cNvSpPr txBox="1"/>
+          <p:nvPr/>
+        </p:nvSpPr>
+        <p:spPr>
+          <a:xfrm>
+            <a:off x="9093144" y="2912117"/>
+            <a:ext cx="1304925" cy="369332"/>
+          </a:xfrm>
+          <a:prstGeom prst="rect">
+            <a:avLst/>
+          </a:prstGeom>
+          <a:noFill/>
+        </p:spPr>
+        <p:txBody>
+          <a:bodyPr wrap="square" rtlCol="0">
+            <a:spAutoFit/>
+          </a:bodyPr>
+          <a:lstStyle/>
+          <a:p>
+            <a:r>
+              <a:rPr lang="en-US" altLang="zh-CN" dirty="0"/>
+              <a:t>R4_fedora</a:t>
+            </a:r>
+            <a:endParaRPr lang="en-US" dirty="0"/>
+          </a:p>
+        </p:txBody>
+      </p:sp>
+      <p:sp>
+        <p:nvSpPr>
+          <p:cNvPr id="2" name="TextBox 1">
+            <a:extLst>
+              <a:ext uri="{FF2B5EF4-FFF2-40B4-BE49-F238E27FC236}">
+                <a16:creationId xmlns:a16="http://schemas.microsoft.com/office/drawing/2014/main" id="{53D6898E-57F0-4281-A4E8-59BB9C3205CC}"/>
+              </a:ext>
+            </a:extLst>
+          </p:cNvPr>
+          <p:cNvSpPr txBox="1"/>
+          <p:nvPr/>
+        </p:nvSpPr>
+        <p:spPr>
+          <a:xfrm>
+            <a:off x="3240295" y="2248400"/>
+            <a:ext cx="803361" cy="369332"/>
           </a:xfrm>
           <a:prstGeom prst="rect">
             <a:avLst/>
@@ -8301,17 +9197,17 @@
           <a:p>
             <a:r>
               <a:rPr lang="en-US" dirty="0"/>
-              <a:t>net15</a:t>
-            </a:r>
-          </a:p>
-        </p:txBody>
-      </p:sp>
-      <p:sp>
-        <p:nvSpPr>
-          <p:cNvPr id="27" name="TextBox 26">
-            <a:extLst>
-              <a:ext uri="{FF2B5EF4-FFF2-40B4-BE49-F238E27FC236}">
-                <a16:creationId xmlns:a16="http://schemas.microsoft.com/office/drawing/2014/main" id="{5A1D637C-C267-4B6D-96BD-A9742C291D80}"/>
+              <a:t>net18</a:t>
+            </a:r>
+          </a:p>
+        </p:txBody>
+      </p:sp>
+      <p:sp>
+        <p:nvSpPr>
+          <p:cNvPr id="22" name="TextBox 21">
+            <a:extLst>
+              <a:ext uri="{FF2B5EF4-FFF2-40B4-BE49-F238E27FC236}">
+                <a16:creationId xmlns:a16="http://schemas.microsoft.com/office/drawing/2014/main" id="{F4B58373-D3B4-4B1D-8D10-58535ECD8050}"/>
               </a:ext>
             </a:extLst>
           </p:cNvPr>
@@ -8320,8 +9216,8 @@
         </p:nvSpPr>
         <p:spPr>
           <a:xfrm>
-            <a:off x="9756457" y="4227790"/>
-            <a:ext cx="783057" cy="369332"/>
+            <a:off x="3469110" y="4299154"/>
+            <a:ext cx="826342" cy="369332"/>
           </a:xfrm>
           <a:prstGeom prst="rect">
             <a:avLst/>
@@ -8416,6 +9312,399 @@
           <a:p>
             <a:r>
               <a:rPr lang="en-US" dirty="0"/>
+              <a:t>net19</a:t>
+            </a:r>
+          </a:p>
+        </p:txBody>
+      </p:sp>
+      <p:sp>
+        <p:nvSpPr>
+          <p:cNvPr id="23" name="TextBox 22">
+            <a:extLst>
+              <a:ext uri="{FF2B5EF4-FFF2-40B4-BE49-F238E27FC236}">
+                <a16:creationId xmlns:a16="http://schemas.microsoft.com/office/drawing/2014/main" id="{D5F7AC48-8B44-45B4-809B-147CD28E4EE7}"/>
+              </a:ext>
+            </a:extLst>
+          </p:cNvPr>
+          <p:cNvSpPr txBox="1"/>
+          <p:nvPr/>
+        </p:nvSpPr>
+        <p:spPr>
+          <a:xfrm>
+            <a:off x="6876657" y="2150909"/>
+            <a:ext cx="731346" cy="369332"/>
+          </a:xfrm>
+          <a:prstGeom prst="rect">
+            <a:avLst/>
+          </a:prstGeom>
+        </p:spPr>
+        <p:style>
+          <a:lnRef idx="2">
+            <a:schemeClr val="accent1"/>
+          </a:lnRef>
+          <a:fillRef idx="1">
+            <a:schemeClr val="lt1"/>
+          </a:fillRef>
+          <a:effectRef idx="0">
+            <a:schemeClr val="accent1"/>
+          </a:effectRef>
+          <a:fontRef idx="minor">
+            <a:schemeClr val="dk1"/>
+          </a:fontRef>
+        </p:style>
+        <p:txBody>
+          <a:bodyPr wrap="square" rtlCol="0">
+            <a:spAutoFit/>
+          </a:bodyPr>
+          <a:lstStyle/>
+          <a:p>
+            <a:r>
+              <a:rPr lang="en-US" dirty="0"/>
+              <a:t>net17</a:t>
+            </a:r>
+          </a:p>
+        </p:txBody>
+      </p:sp>
+      <p:sp>
+        <p:nvSpPr>
+          <p:cNvPr id="24" name="TextBox 23">
+            <a:extLst>
+              <a:ext uri="{FF2B5EF4-FFF2-40B4-BE49-F238E27FC236}">
+                <a16:creationId xmlns:a16="http://schemas.microsoft.com/office/drawing/2014/main" id="{76457091-1F92-4268-A830-7D871C326581}"/>
+              </a:ext>
+            </a:extLst>
+          </p:cNvPr>
+          <p:cNvSpPr txBox="1"/>
+          <p:nvPr/>
+        </p:nvSpPr>
+        <p:spPr>
+          <a:xfrm>
+            <a:off x="6959478" y="4209932"/>
+            <a:ext cx="815590" cy="369332"/>
+          </a:xfrm>
+          <a:prstGeom prst="rect">
+            <a:avLst/>
+          </a:prstGeom>
+        </p:spPr>
+        <p:style>
+          <a:lnRef idx="2">
+            <a:schemeClr val="accent1"/>
+          </a:lnRef>
+          <a:fillRef idx="1">
+            <a:schemeClr val="lt1"/>
+          </a:fillRef>
+          <a:effectRef idx="0">
+            <a:schemeClr val="accent1"/>
+          </a:effectRef>
+          <a:fontRef idx="minor">
+            <a:schemeClr val="dk1"/>
+          </a:fontRef>
+        </p:style>
+        <p:txBody>
+          <a:bodyPr wrap="square" rtlCol="0">
+            <a:spAutoFit/>
+          </a:bodyPr>
+          <a:lstStyle>
+            <a:defPPr>
+              <a:defRPr lang="en-US"/>
+            </a:defPPr>
+            <a:lvl1pPr>
+              <a:defRPr>
+                <a:solidFill>
+                  <a:schemeClr val="dk1"/>
+                </a:solidFill>
+              </a:defRPr>
+            </a:lvl1pPr>
+            <a:lvl2pPr>
+              <a:defRPr>
+                <a:solidFill>
+                  <a:schemeClr val="dk1"/>
+                </a:solidFill>
+              </a:defRPr>
+            </a:lvl2pPr>
+            <a:lvl3pPr>
+              <a:defRPr>
+                <a:solidFill>
+                  <a:schemeClr val="dk1"/>
+                </a:solidFill>
+              </a:defRPr>
+            </a:lvl3pPr>
+            <a:lvl4pPr>
+              <a:defRPr>
+                <a:solidFill>
+                  <a:schemeClr val="dk1"/>
+                </a:solidFill>
+              </a:defRPr>
+            </a:lvl4pPr>
+            <a:lvl5pPr>
+              <a:defRPr>
+                <a:solidFill>
+                  <a:schemeClr val="dk1"/>
+                </a:solidFill>
+              </a:defRPr>
+            </a:lvl5pPr>
+            <a:lvl6pPr>
+              <a:defRPr>
+                <a:solidFill>
+                  <a:schemeClr val="dk1"/>
+                </a:solidFill>
+              </a:defRPr>
+            </a:lvl6pPr>
+            <a:lvl7pPr>
+              <a:defRPr>
+                <a:solidFill>
+                  <a:schemeClr val="dk1"/>
+                </a:solidFill>
+              </a:defRPr>
+            </a:lvl7pPr>
+            <a:lvl8pPr>
+              <a:defRPr>
+                <a:solidFill>
+                  <a:schemeClr val="dk1"/>
+                </a:solidFill>
+              </a:defRPr>
+            </a:lvl8pPr>
+            <a:lvl9pPr>
+              <a:defRPr>
+                <a:solidFill>
+                  <a:schemeClr val="dk1"/>
+                </a:solidFill>
+              </a:defRPr>
+            </a:lvl9pPr>
+          </a:lstStyle>
+          <a:p>
+            <a:r>
+              <a:rPr lang="en-US" dirty="0"/>
+              <a:t>net16</a:t>
+            </a:r>
+          </a:p>
+        </p:txBody>
+      </p:sp>
+      <p:sp>
+        <p:nvSpPr>
+          <p:cNvPr id="26" name="TextBox 25">
+            <a:extLst>
+              <a:ext uri="{FF2B5EF4-FFF2-40B4-BE49-F238E27FC236}">
+                <a16:creationId xmlns:a16="http://schemas.microsoft.com/office/drawing/2014/main" id="{61FB0991-01EB-4F56-94BF-35817576298A}"/>
+              </a:ext>
+            </a:extLst>
+          </p:cNvPr>
+          <p:cNvSpPr txBox="1"/>
+          <p:nvPr/>
+        </p:nvSpPr>
+        <p:spPr>
+          <a:xfrm>
+            <a:off x="1103030" y="1907542"/>
+            <a:ext cx="744647" cy="369332"/>
+          </a:xfrm>
+          <a:prstGeom prst="rect">
+            <a:avLst/>
+          </a:prstGeom>
+        </p:spPr>
+        <p:style>
+          <a:lnRef idx="2">
+            <a:schemeClr val="accent1"/>
+          </a:lnRef>
+          <a:fillRef idx="1">
+            <a:schemeClr val="lt1"/>
+          </a:fillRef>
+          <a:effectRef idx="0">
+            <a:schemeClr val="accent1"/>
+          </a:effectRef>
+          <a:fontRef idx="minor">
+            <a:schemeClr val="dk1"/>
+          </a:fontRef>
+        </p:style>
+        <p:txBody>
+          <a:bodyPr wrap="square" rtlCol="0">
+            <a:spAutoFit/>
+          </a:bodyPr>
+          <a:lstStyle>
+            <a:defPPr>
+              <a:defRPr lang="en-US"/>
+            </a:defPPr>
+            <a:lvl1pPr>
+              <a:defRPr>
+                <a:solidFill>
+                  <a:schemeClr val="dk1"/>
+                </a:solidFill>
+              </a:defRPr>
+            </a:lvl1pPr>
+            <a:lvl2pPr>
+              <a:defRPr>
+                <a:solidFill>
+                  <a:schemeClr val="dk1"/>
+                </a:solidFill>
+              </a:defRPr>
+            </a:lvl2pPr>
+            <a:lvl3pPr>
+              <a:defRPr>
+                <a:solidFill>
+                  <a:schemeClr val="dk1"/>
+                </a:solidFill>
+              </a:defRPr>
+            </a:lvl3pPr>
+            <a:lvl4pPr>
+              <a:defRPr>
+                <a:solidFill>
+                  <a:schemeClr val="dk1"/>
+                </a:solidFill>
+              </a:defRPr>
+            </a:lvl4pPr>
+            <a:lvl5pPr>
+              <a:defRPr>
+                <a:solidFill>
+                  <a:schemeClr val="dk1"/>
+                </a:solidFill>
+              </a:defRPr>
+            </a:lvl5pPr>
+            <a:lvl6pPr>
+              <a:defRPr>
+                <a:solidFill>
+                  <a:schemeClr val="dk1"/>
+                </a:solidFill>
+              </a:defRPr>
+            </a:lvl6pPr>
+            <a:lvl7pPr>
+              <a:defRPr>
+                <a:solidFill>
+                  <a:schemeClr val="dk1"/>
+                </a:solidFill>
+              </a:defRPr>
+            </a:lvl7pPr>
+            <a:lvl8pPr>
+              <a:defRPr>
+                <a:solidFill>
+                  <a:schemeClr val="dk1"/>
+                </a:solidFill>
+              </a:defRPr>
+            </a:lvl8pPr>
+            <a:lvl9pPr>
+              <a:defRPr>
+                <a:solidFill>
+                  <a:schemeClr val="dk1"/>
+                </a:solidFill>
+              </a:defRPr>
+            </a:lvl9pPr>
+          </a:lstStyle>
+          <a:p>
+            <a:r>
+              <a:rPr lang="en-US" dirty="0"/>
+              <a:t>net15</a:t>
+            </a:r>
+          </a:p>
+        </p:txBody>
+      </p:sp>
+      <p:sp>
+        <p:nvSpPr>
+          <p:cNvPr id="27" name="TextBox 26">
+            <a:extLst>
+              <a:ext uri="{FF2B5EF4-FFF2-40B4-BE49-F238E27FC236}">
+                <a16:creationId xmlns:a16="http://schemas.microsoft.com/office/drawing/2014/main" id="{5A1D637C-C267-4B6D-96BD-A9742C291D80}"/>
+              </a:ext>
+            </a:extLst>
+          </p:cNvPr>
+          <p:cNvSpPr txBox="1"/>
+          <p:nvPr/>
+        </p:nvSpPr>
+        <p:spPr>
+          <a:xfrm>
+            <a:off x="9756457" y="4227790"/>
+            <a:ext cx="783057" cy="369332"/>
+          </a:xfrm>
+          <a:prstGeom prst="rect">
+            <a:avLst/>
+          </a:prstGeom>
+        </p:spPr>
+        <p:style>
+          <a:lnRef idx="2">
+            <a:schemeClr val="accent1"/>
+          </a:lnRef>
+          <a:fillRef idx="1">
+            <a:schemeClr val="lt1"/>
+          </a:fillRef>
+          <a:effectRef idx="0">
+            <a:schemeClr val="accent1"/>
+          </a:effectRef>
+          <a:fontRef idx="minor">
+            <a:schemeClr val="dk1"/>
+          </a:fontRef>
+        </p:style>
+        <p:txBody>
+          <a:bodyPr wrap="square" rtlCol="0">
+            <a:spAutoFit/>
+          </a:bodyPr>
+          <a:lstStyle>
+            <a:defPPr>
+              <a:defRPr lang="en-US"/>
+            </a:defPPr>
+            <a:lvl1pPr>
+              <a:defRPr>
+                <a:solidFill>
+                  <a:schemeClr val="dk1"/>
+                </a:solidFill>
+              </a:defRPr>
+            </a:lvl1pPr>
+            <a:lvl2pPr>
+              <a:defRPr>
+                <a:solidFill>
+                  <a:schemeClr val="dk1"/>
+                </a:solidFill>
+              </a:defRPr>
+            </a:lvl2pPr>
+            <a:lvl3pPr>
+              <a:defRPr>
+                <a:solidFill>
+                  <a:schemeClr val="dk1"/>
+                </a:solidFill>
+              </a:defRPr>
+            </a:lvl3pPr>
+            <a:lvl4pPr>
+              <a:defRPr>
+                <a:solidFill>
+                  <a:schemeClr val="dk1"/>
+                </a:solidFill>
+              </a:defRPr>
+            </a:lvl4pPr>
+            <a:lvl5pPr>
+              <a:defRPr>
+                <a:solidFill>
+                  <a:schemeClr val="dk1"/>
+                </a:solidFill>
+              </a:defRPr>
+            </a:lvl5pPr>
+            <a:lvl6pPr>
+              <a:defRPr>
+                <a:solidFill>
+                  <a:schemeClr val="dk1"/>
+                </a:solidFill>
+              </a:defRPr>
+            </a:lvl6pPr>
+            <a:lvl7pPr>
+              <a:defRPr>
+                <a:solidFill>
+                  <a:schemeClr val="dk1"/>
+                </a:solidFill>
+              </a:defRPr>
+            </a:lvl7pPr>
+            <a:lvl8pPr>
+              <a:defRPr>
+                <a:solidFill>
+                  <a:schemeClr val="dk1"/>
+                </a:solidFill>
+              </a:defRPr>
+            </a:lvl8pPr>
+            <a:lvl9pPr>
+              <a:defRPr>
+                <a:solidFill>
+                  <a:schemeClr val="dk1"/>
+                </a:solidFill>
+              </a:defRPr>
+            </a:lvl9pPr>
+          </a:lstStyle>
+          <a:p>
+            <a:r>
+              <a:rPr lang="en-US" dirty="0"/>
               <a:t>net14</a:t>
             </a:r>
           </a:p>
@@ -8973,7 +10262,7 @@
 </p:sld>
 </file>
 
-<file path=ppt/slides/slide4.xml><?xml version="1.0" encoding="utf-8"?>
+<file path=ppt/slides/slide5.xml><?xml version="1.0" encoding="utf-8"?>
 <p:sld xmlns:a="http://schemas.openxmlformats.org/drawingml/2006/main" xmlns:r="http://schemas.openxmlformats.org/officeDocument/2006/relationships" xmlns:p="http://schemas.openxmlformats.org/presentationml/2006/main">
   <p:cSld>
     <p:spTree>
@@ -13787,7 +15076,7 @@
 </p:sld>
 </file>
 
-<file path=ppt/slides/slide5.xml><?xml version="1.0" encoding="utf-8"?>
+<file path=ppt/slides/slide6.xml><?xml version="1.0" encoding="utf-8"?>
 <p:sld xmlns:a="http://schemas.openxmlformats.org/drawingml/2006/main" xmlns:r="http://schemas.openxmlformats.org/officeDocument/2006/relationships" xmlns:p="http://schemas.openxmlformats.org/presentationml/2006/main">
   <p:cSld>
     <p:spTree>
@@ -15586,7 +16875,7 @@
 </p:sld>
 </file>
 
-<file path=ppt/slides/slide6.xml><?xml version="1.0" encoding="utf-8"?>
+<file path=ppt/slides/slide7.xml><?xml version="1.0" encoding="utf-8"?>
 <p:sld xmlns:a="http://schemas.openxmlformats.org/drawingml/2006/main" xmlns:r="http://schemas.openxmlformats.org/officeDocument/2006/relationships" xmlns:p="http://schemas.openxmlformats.org/presentationml/2006/main">
   <p:cSld>
     <p:spTree>
@@ -15673,7 +16962,7 @@
 </p:sld>
 </file>
 
-<file path=ppt/slides/slide7.xml><?xml version="1.0" encoding="utf-8"?>
+<file path=ppt/slides/slide8.xml><?xml version="1.0" encoding="utf-8"?>
 <p:sld xmlns:a="http://schemas.openxmlformats.org/drawingml/2006/main" xmlns:r="http://schemas.openxmlformats.org/officeDocument/2006/relationships" xmlns:p="http://schemas.openxmlformats.org/presentationml/2006/main">
   <p:cSld>
     <p:spTree>
